--- a/ppt 16-9/1027.惟要主.pptx
+++ b/ppt 16-9/1027.惟要主.pptx
@@ -5,7 +5,7 @@
     <p:sldMasterId id="2147483648" r:id="rId1"/>
   </p:sldMasterIdLst>
   <p:sldIdLst>
-    <p:sldId id="453" r:id="rId2"/>
+    <p:sldId id="455" r:id="rId2"/>
   </p:sldIdLst>
   <p:sldSz cx="12192000" cy="6858000"/>
   <p:notesSz cx="6858000" cy="9144000"/>
@@ -129,7 +129,7 @@
           <p:cNvPr id="2" name="标题 1">
             <a:extLst>
               <a:ext uri="{FF2B5EF4-FFF2-40B4-BE49-F238E27FC236}">
-                <a16:creationId xmlns:a16="http://schemas.microsoft.com/office/drawing/2014/main" id="{0AB0F2F4-C626-0207-45C6-F21DFD4FED8C}"/>
+                <a16:creationId xmlns:a16="http://schemas.microsoft.com/office/drawing/2014/main" id="{77DADEA3-92C4-103C-7DBA-D606C865ECB0}"/>
               </a:ext>
             </a:extLst>
           </p:cNvPr>
@@ -166,7 +166,7 @@
           <p:cNvPr id="3" name="副标题 2">
             <a:extLst>
               <a:ext uri="{FF2B5EF4-FFF2-40B4-BE49-F238E27FC236}">
-                <a16:creationId xmlns:a16="http://schemas.microsoft.com/office/drawing/2014/main" id="{CC298F00-4009-9281-11F7-A13D71A5797A}"/>
+                <a16:creationId xmlns:a16="http://schemas.microsoft.com/office/drawing/2014/main" id="{4249C93A-A19F-6831-4248-847E4453FED3}"/>
               </a:ext>
             </a:extLst>
           </p:cNvPr>
@@ -236,7 +236,7 @@
           <p:cNvPr id="4" name="日期占位符 3">
             <a:extLst>
               <a:ext uri="{FF2B5EF4-FFF2-40B4-BE49-F238E27FC236}">
-                <a16:creationId xmlns:a16="http://schemas.microsoft.com/office/drawing/2014/main" id="{E48A8D26-2F33-346D-2BAB-FA023D93E4CB}"/>
+                <a16:creationId xmlns:a16="http://schemas.microsoft.com/office/drawing/2014/main" id="{FE75AFDE-1370-BC18-35B0-40860932A788}"/>
               </a:ext>
             </a:extLst>
           </p:cNvPr>
@@ -252,7 +252,7 @@
           <a:bodyPr/>
           <a:lstStyle/>
           <a:p>
-            <a:fld id="{5AF06C0B-8C33-4610-8E7C-FF304BB0DFBA}" type="datetimeFigureOut">
+            <a:fld id="{96BCE3AB-2C0F-498B-86F7-243B3F883BA4}" type="datetimeFigureOut">
               <a:rPr lang="zh-CN" altLang="en-US" smtClean="0"/>
               <a:t>2024/3/10</a:t>
             </a:fld>
@@ -265,7 +265,7 @@
           <p:cNvPr id="5" name="页脚占位符 4">
             <a:extLst>
               <a:ext uri="{FF2B5EF4-FFF2-40B4-BE49-F238E27FC236}">
-                <a16:creationId xmlns:a16="http://schemas.microsoft.com/office/drawing/2014/main" id="{8C056A1B-42A1-9A9E-6992-490B87912C09}"/>
+                <a16:creationId xmlns:a16="http://schemas.microsoft.com/office/drawing/2014/main" id="{02FE2300-E1C0-C95A-F953-2FE7391A77BA}"/>
               </a:ext>
             </a:extLst>
           </p:cNvPr>
@@ -290,7 +290,7 @@
           <p:cNvPr id="6" name="灯片编号占位符 5">
             <a:extLst>
               <a:ext uri="{FF2B5EF4-FFF2-40B4-BE49-F238E27FC236}">
-                <a16:creationId xmlns:a16="http://schemas.microsoft.com/office/drawing/2014/main" id="{3291C4A3-8E95-A714-A8B2-22996CB5203C}"/>
+                <a16:creationId xmlns:a16="http://schemas.microsoft.com/office/drawing/2014/main" id="{A18D1B0D-6233-9D10-F9FD-8208A596341C}"/>
               </a:ext>
             </a:extLst>
           </p:cNvPr>
@@ -306,7 +306,7 @@
           <a:bodyPr/>
           <a:lstStyle/>
           <a:p>
-            <a:fld id="{F78EE812-870C-4E94-979E-82F6B09E3202}" type="slidenum">
+            <a:fld id="{CA200C10-BD52-497C-AFFB-90DB7D64798C}" type="slidenum">
               <a:rPr lang="zh-CN" altLang="en-US" smtClean="0"/>
               <a:t>‹#›</a:t>
             </a:fld>
@@ -317,7 +317,7 @@
     </p:spTree>
     <p:extLst>
       <p:ext uri="{BB962C8B-B14F-4D97-AF65-F5344CB8AC3E}">
-        <p14:creationId xmlns:p14="http://schemas.microsoft.com/office/powerpoint/2010/main" val="140974338"/>
+        <p14:creationId xmlns:p14="http://schemas.microsoft.com/office/powerpoint/2010/main" val="3211423605"/>
       </p:ext>
     </p:extLst>
   </p:cSld>
@@ -349,7 +349,7 @@
           <p:cNvPr id="2" name="标题 1">
             <a:extLst>
               <a:ext uri="{FF2B5EF4-FFF2-40B4-BE49-F238E27FC236}">
-                <a16:creationId xmlns:a16="http://schemas.microsoft.com/office/drawing/2014/main" id="{20F5D82D-BBEF-FB24-EA1E-E832C964E7E4}"/>
+                <a16:creationId xmlns:a16="http://schemas.microsoft.com/office/drawing/2014/main" id="{8C3F6F3B-87B0-53D4-AB69-CC932A6BBFF4}"/>
               </a:ext>
             </a:extLst>
           </p:cNvPr>
@@ -377,7 +377,7 @@
           <p:cNvPr id="3" name="竖排文字占位符 2">
             <a:extLst>
               <a:ext uri="{FF2B5EF4-FFF2-40B4-BE49-F238E27FC236}">
-                <a16:creationId xmlns:a16="http://schemas.microsoft.com/office/drawing/2014/main" id="{133A6149-F191-1878-A089-5764AAC5242B}"/>
+                <a16:creationId xmlns:a16="http://schemas.microsoft.com/office/drawing/2014/main" id="{2C462BAE-E6F9-3EEB-3BCE-151D530B80F6}"/>
               </a:ext>
             </a:extLst>
           </p:cNvPr>
@@ -434,7 +434,7 @@
           <p:cNvPr id="4" name="日期占位符 3">
             <a:extLst>
               <a:ext uri="{FF2B5EF4-FFF2-40B4-BE49-F238E27FC236}">
-                <a16:creationId xmlns:a16="http://schemas.microsoft.com/office/drawing/2014/main" id="{4AABD3AE-57C9-08DB-BC04-E677E7877DDF}"/>
+                <a16:creationId xmlns:a16="http://schemas.microsoft.com/office/drawing/2014/main" id="{42C06B08-8148-5C22-6AAD-7110D70314FC}"/>
               </a:ext>
             </a:extLst>
           </p:cNvPr>
@@ -450,7 +450,7 @@
           <a:bodyPr/>
           <a:lstStyle/>
           <a:p>
-            <a:fld id="{5AF06C0B-8C33-4610-8E7C-FF304BB0DFBA}" type="datetimeFigureOut">
+            <a:fld id="{96BCE3AB-2C0F-498B-86F7-243B3F883BA4}" type="datetimeFigureOut">
               <a:rPr lang="zh-CN" altLang="en-US" smtClean="0"/>
               <a:t>2024/3/10</a:t>
             </a:fld>
@@ -463,7 +463,7 @@
           <p:cNvPr id="5" name="页脚占位符 4">
             <a:extLst>
               <a:ext uri="{FF2B5EF4-FFF2-40B4-BE49-F238E27FC236}">
-                <a16:creationId xmlns:a16="http://schemas.microsoft.com/office/drawing/2014/main" id="{09A01D18-2500-A524-1E7D-C87C8D82B19E}"/>
+                <a16:creationId xmlns:a16="http://schemas.microsoft.com/office/drawing/2014/main" id="{4D88AF89-C2B7-418A-FD72-2CC53C42906E}"/>
               </a:ext>
             </a:extLst>
           </p:cNvPr>
@@ -488,7 +488,7 @@
           <p:cNvPr id="6" name="灯片编号占位符 5">
             <a:extLst>
               <a:ext uri="{FF2B5EF4-FFF2-40B4-BE49-F238E27FC236}">
-                <a16:creationId xmlns:a16="http://schemas.microsoft.com/office/drawing/2014/main" id="{876EC753-5219-275F-4E55-D1783DA5073B}"/>
+                <a16:creationId xmlns:a16="http://schemas.microsoft.com/office/drawing/2014/main" id="{4619A157-12F1-81DD-FF35-A2A49632E09E}"/>
               </a:ext>
             </a:extLst>
           </p:cNvPr>
@@ -504,7 +504,7 @@
           <a:bodyPr/>
           <a:lstStyle/>
           <a:p>
-            <a:fld id="{F78EE812-870C-4E94-979E-82F6B09E3202}" type="slidenum">
+            <a:fld id="{CA200C10-BD52-497C-AFFB-90DB7D64798C}" type="slidenum">
               <a:rPr lang="zh-CN" altLang="en-US" smtClean="0"/>
               <a:t>‹#›</a:t>
             </a:fld>
@@ -515,7 +515,7 @@
     </p:spTree>
     <p:extLst>
       <p:ext uri="{BB962C8B-B14F-4D97-AF65-F5344CB8AC3E}">
-        <p14:creationId xmlns:p14="http://schemas.microsoft.com/office/powerpoint/2010/main" val="3693825318"/>
+        <p14:creationId xmlns:p14="http://schemas.microsoft.com/office/powerpoint/2010/main" val="3399696847"/>
       </p:ext>
     </p:extLst>
   </p:cSld>
@@ -547,7 +547,7 @@
           <p:cNvPr id="2" name="竖排标题 1">
             <a:extLst>
               <a:ext uri="{FF2B5EF4-FFF2-40B4-BE49-F238E27FC236}">
-                <a16:creationId xmlns:a16="http://schemas.microsoft.com/office/drawing/2014/main" id="{BA8C4F69-9B95-F89F-5454-B0A175E6ABA9}"/>
+                <a16:creationId xmlns:a16="http://schemas.microsoft.com/office/drawing/2014/main" id="{C68F68AA-1CC0-3107-767F-76C67FED1D5E}"/>
               </a:ext>
             </a:extLst>
           </p:cNvPr>
@@ -580,7 +580,7 @@
           <p:cNvPr id="3" name="竖排文字占位符 2">
             <a:extLst>
               <a:ext uri="{FF2B5EF4-FFF2-40B4-BE49-F238E27FC236}">
-                <a16:creationId xmlns:a16="http://schemas.microsoft.com/office/drawing/2014/main" id="{942FBF7E-F6B2-BD69-966D-57C32A6CA497}"/>
+                <a16:creationId xmlns:a16="http://schemas.microsoft.com/office/drawing/2014/main" id="{FD64DA96-6196-5CA2-FD8F-CCAB2628B870}"/>
               </a:ext>
             </a:extLst>
           </p:cNvPr>
@@ -642,7 +642,7 @@
           <p:cNvPr id="4" name="日期占位符 3">
             <a:extLst>
               <a:ext uri="{FF2B5EF4-FFF2-40B4-BE49-F238E27FC236}">
-                <a16:creationId xmlns:a16="http://schemas.microsoft.com/office/drawing/2014/main" id="{28CF3D76-82FD-3E43-17B0-A8A59B6B5B86}"/>
+                <a16:creationId xmlns:a16="http://schemas.microsoft.com/office/drawing/2014/main" id="{256B2883-ADF1-FCF9-BDB4-7FD593E1D1EC}"/>
               </a:ext>
             </a:extLst>
           </p:cNvPr>
@@ -658,7 +658,7 @@
           <a:bodyPr/>
           <a:lstStyle/>
           <a:p>
-            <a:fld id="{5AF06C0B-8C33-4610-8E7C-FF304BB0DFBA}" type="datetimeFigureOut">
+            <a:fld id="{96BCE3AB-2C0F-498B-86F7-243B3F883BA4}" type="datetimeFigureOut">
               <a:rPr lang="zh-CN" altLang="en-US" smtClean="0"/>
               <a:t>2024/3/10</a:t>
             </a:fld>
@@ -671,7 +671,7 @@
           <p:cNvPr id="5" name="页脚占位符 4">
             <a:extLst>
               <a:ext uri="{FF2B5EF4-FFF2-40B4-BE49-F238E27FC236}">
-                <a16:creationId xmlns:a16="http://schemas.microsoft.com/office/drawing/2014/main" id="{CA3B761C-0E98-EADE-B2B6-24F7884DE8B7}"/>
+                <a16:creationId xmlns:a16="http://schemas.microsoft.com/office/drawing/2014/main" id="{F6B30F82-267C-C162-985F-E5289869CD98}"/>
               </a:ext>
             </a:extLst>
           </p:cNvPr>
@@ -696,7 +696,7 @@
           <p:cNvPr id="6" name="灯片编号占位符 5">
             <a:extLst>
               <a:ext uri="{FF2B5EF4-FFF2-40B4-BE49-F238E27FC236}">
-                <a16:creationId xmlns:a16="http://schemas.microsoft.com/office/drawing/2014/main" id="{AC64A146-EF58-8279-3BC8-5BA137EFE0A9}"/>
+                <a16:creationId xmlns:a16="http://schemas.microsoft.com/office/drawing/2014/main" id="{2AAFB131-D939-B274-1128-1553D1A7EE43}"/>
               </a:ext>
             </a:extLst>
           </p:cNvPr>
@@ -712,7 +712,7 @@
           <a:bodyPr/>
           <a:lstStyle/>
           <a:p>
-            <a:fld id="{F78EE812-870C-4E94-979E-82F6B09E3202}" type="slidenum">
+            <a:fld id="{CA200C10-BD52-497C-AFFB-90DB7D64798C}" type="slidenum">
               <a:rPr lang="zh-CN" altLang="en-US" smtClean="0"/>
               <a:t>‹#›</a:t>
             </a:fld>
@@ -723,7 +723,7 @@
     </p:spTree>
     <p:extLst>
       <p:ext uri="{BB962C8B-B14F-4D97-AF65-F5344CB8AC3E}">
-        <p14:creationId xmlns:p14="http://schemas.microsoft.com/office/powerpoint/2010/main" val="3375635214"/>
+        <p14:creationId xmlns:p14="http://schemas.microsoft.com/office/powerpoint/2010/main" val="3180026619"/>
       </p:ext>
     </p:extLst>
   </p:cSld>
@@ -755,7 +755,7 @@
           <p:cNvPr id="2" name="标题 1">
             <a:extLst>
               <a:ext uri="{FF2B5EF4-FFF2-40B4-BE49-F238E27FC236}">
-                <a16:creationId xmlns:a16="http://schemas.microsoft.com/office/drawing/2014/main" id="{BEFAEEB1-1868-1438-03EC-0BA0368A609D}"/>
+                <a16:creationId xmlns:a16="http://schemas.microsoft.com/office/drawing/2014/main" id="{5AFC205B-66F8-2DA1-77E7-FAEC1B251CD9}"/>
               </a:ext>
             </a:extLst>
           </p:cNvPr>
@@ -783,7 +783,7 @@
           <p:cNvPr id="3" name="内容占位符 2">
             <a:extLst>
               <a:ext uri="{FF2B5EF4-FFF2-40B4-BE49-F238E27FC236}">
-                <a16:creationId xmlns:a16="http://schemas.microsoft.com/office/drawing/2014/main" id="{8F8FEEF7-9C33-1EF8-D561-17CC30264FC5}"/>
+                <a16:creationId xmlns:a16="http://schemas.microsoft.com/office/drawing/2014/main" id="{993C5147-CBAA-A8E8-153F-3E26EEC47D29}"/>
               </a:ext>
             </a:extLst>
           </p:cNvPr>
@@ -840,7 +840,7 @@
           <p:cNvPr id="4" name="日期占位符 3">
             <a:extLst>
               <a:ext uri="{FF2B5EF4-FFF2-40B4-BE49-F238E27FC236}">
-                <a16:creationId xmlns:a16="http://schemas.microsoft.com/office/drawing/2014/main" id="{9C815E71-576A-648E-5E1E-334A5DB1E893}"/>
+                <a16:creationId xmlns:a16="http://schemas.microsoft.com/office/drawing/2014/main" id="{3CB11ECB-6C21-A9E2-E918-7087A89A7813}"/>
               </a:ext>
             </a:extLst>
           </p:cNvPr>
@@ -856,7 +856,7 @@
           <a:bodyPr/>
           <a:lstStyle/>
           <a:p>
-            <a:fld id="{5AF06C0B-8C33-4610-8E7C-FF304BB0DFBA}" type="datetimeFigureOut">
+            <a:fld id="{96BCE3AB-2C0F-498B-86F7-243B3F883BA4}" type="datetimeFigureOut">
               <a:rPr lang="zh-CN" altLang="en-US" smtClean="0"/>
               <a:t>2024/3/10</a:t>
             </a:fld>
@@ -869,7 +869,7 @@
           <p:cNvPr id="5" name="页脚占位符 4">
             <a:extLst>
               <a:ext uri="{FF2B5EF4-FFF2-40B4-BE49-F238E27FC236}">
-                <a16:creationId xmlns:a16="http://schemas.microsoft.com/office/drawing/2014/main" id="{A52F7AD5-FCFF-3BEF-CF0D-A731704C2BB2}"/>
+                <a16:creationId xmlns:a16="http://schemas.microsoft.com/office/drawing/2014/main" id="{7E70CDCA-483E-5621-6A4C-281C5177BC4C}"/>
               </a:ext>
             </a:extLst>
           </p:cNvPr>
@@ -894,7 +894,7 @@
           <p:cNvPr id="6" name="灯片编号占位符 5">
             <a:extLst>
               <a:ext uri="{FF2B5EF4-FFF2-40B4-BE49-F238E27FC236}">
-                <a16:creationId xmlns:a16="http://schemas.microsoft.com/office/drawing/2014/main" id="{DB6C1020-065E-EC2F-564D-C94701BCCC3F}"/>
+                <a16:creationId xmlns:a16="http://schemas.microsoft.com/office/drawing/2014/main" id="{130B9C6C-B46D-058B-929A-C52D59BB32D0}"/>
               </a:ext>
             </a:extLst>
           </p:cNvPr>
@@ -910,7 +910,7 @@
           <a:bodyPr/>
           <a:lstStyle/>
           <a:p>
-            <a:fld id="{F78EE812-870C-4E94-979E-82F6B09E3202}" type="slidenum">
+            <a:fld id="{CA200C10-BD52-497C-AFFB-90DB7D64798C}" type="slidenum">
               <a:rPr lang="zh-CN" altLang="en-US" smtClean="0"/>
               <a:t>‹#›</a:t>
             </a:fld>
@@ -921,7 +921,7 @@
     </p:spTree>
     <p:extLst>
       <p:ext uri="{BB962C8B-B14F-4D97-AF65-F5344CB8AC3E}">
-        <p14:creationId xmlns:p14="http://schemas.microsoft.com/office/powerpoint/2010/main" val="1865478494"/>
+        <p14:creationId xmlns:p14="http://schemas.microsoft.com/office/powerpoint/2010/main" val="2695950183"/>
       </p:ext>
     </p:extLst>
   </p:cSld>
@@ -953,7 +953,7 @@
           <p:cNvPr id="2" name="标题 1">
             <a:extLst>
               <a:ext uri="{FF2B5EF4-FFF2-40B4-BE49-F238E27FC236}">
-                <a16:creationId xmlns:a16="http://schemas.microsoft.com/office/drawing/2014/main" id="{688CC276-D0EA-A765-0F9D-8DBF2EAD6A89}"/>
+                <a16:creationId xmlns:a16="http://schemas.microsoft.com/office/drawing/2014/main" id="{83556B56-6EAB-05FB-F41D-642A3D7AE0C0}"/>
               </a:ext>
             </a:extLst>
           </p:cNvPr>
@@ -990,7 +990,7 @@
           <p:cNvPr id="3" name="文本占位符 2">
             <a:extLst>
               <a:ext uri="{FF2B5EF4-FFF2-40B4-BE49-F238E27FC236}">
-                <a16:creationId xmlns:a16="http://schemas.microsoft.com/office/drawing/2014/main" id="{BC1D9570-6ECD-BF42-D370-F069B67435E0}"/>
+                <a16:creationId xmlns:a16="http://schemas.microsoft.com/office/drawing/2014/main" id="{880342A3-2C75-EE3B-94F0-B02B6E6FC69B}"/>
               </a:ext>
             </a:extLst>
           </p:cNvPr>
@@ -1115,7 +1115,7 @@
           <p:cNvPr id="4" name="日期占位符 3">
             <a:extLst>
               <a:ext uri="{FF2B5EF4-FFF2-40B4-BE49-F238E27FC236}">
-                <a16:creationId xmlns:a16="http://schemas.microsoft.com/office/drawing/2014/main" id="{41EF9B58-5532-2E09-0092-DCA372368BB2}"/>
+                <a16:creationId xmlns:a16="http://schemas.microsoft.com/office/drawing/2014/main" id="{2605B40E-E008-A01E-8C5A-D202271695B7}"/>
               </a:ext>
             </a:extLst>
           </p:cNvPr>
@@ -1131,7 +1131,7 @@
           <a:bodyPr/>
           <a:lstStyle/>
           <a:p>
-            <a:fld id="{5AF06C0B-8C33-4610-8E7C-FF304BB0DFBA}" type="datetimeFigureOut">
+            <a:fld id="{96BCE3AB-2C0F-498B-86F7-243B3F883BA4}" type="datetimeFigureOut">
               <a:rPr lang="zh-CN" altLang="en-US" smtClean="0"/>
               <a:t>2024/3/10</a:t>
             </a:fld>
@@ -1144,7 +1144,7 @@
           <p:cNvPr id="5" name="页脚占位符 4">
             <a:extLst>
               <a:ext uri="{FF2B5EF4-FFF2-40B4-BE49-F238E27FC236}">
-                <a16:creationId xmlns:a16="http://schemas.microsoft.com/office/drawing/2014/main" id="{362DBB8F-8EC0-FCD3-CFAB-B0C6299479BC}"/>
+                <a16:creationId xmlns:a16="http://schemas.microsoft.com/office/drawing/2014/main" id="{351A42FC-B4D7-B550-B53E-61F938B63372}"/>
               </a:ext>
             </a:extLst>
           </p:cNvPr>
@@ -1169,7 +1169,7 @@
           <p:cNvPr id="6" name="灯片编号占位符 5">
             <a:extLst>
               <a:ext uri="{FF2B5EF4-FFF2-40B4-BE49-F238E27FC236}">
-                <a16:creationId xmlns:a16="http://schemas.microsoft.com/office/drawing/2014/main" id="{D9DCA978-0732-250B-B62B-DD440C4D496A}"/>
+                <a16:creationId xmlns:a16="http://schemas.microsoft.com/office/drawing/2014/main" id="{6F9E653A-AD65-467A-CD9A-091805B5BF54}"/>
               </a:ext>
             </a:extLst>
           </p:cNvPr>
@@ -1185,7 +1185,7 @@
           <a:bodyPr/>
           <a:lstStyle/>
           <a:p>
-            <a:fld id="{F78EE812-870C-4E94-979E-82F6B09E3202}" type="slidenum">
+            <a:fld id="{CA200C10-BD52-497C-AFFB-90DB7D64798C}" type="slidenum">
               <a:rPr lang="zh-CN" altLang="en-US" smtClean="0"/>
               <a:t>‹#›</a:t>
             </a:fld>
@@ -1196,7 +1196,7 @@
     </p:spTree>
     <p:extLst>
       <p:ext uri="{BB962C8B-B14F-4D97-AF65-F5344CB8AC3E}">
-        <p14:creationId xmlns:p14="http://schemas.microsoft.com/office/powerpoint/2010/main" val="622267937"/>
+        <p14:creationId xmlns:p14="http://schemas.microsoft.com/office/powerpoint/2010/main" val="3324350431"/>
       </p:ext>
     </p:extLst>
   </p:cSld>
@@ -1228,7 +1228,7 @@
           <p:cNvPr id="2" name="标题 1">
             <a:extLst>
               <a:ext uri="{FF2B5EF4-FFF2-40B4-BE49-F238E27FC236}">
-                <a16:creationId xmlns:a16="http://schemas.microsoft.com/office/drawing/2014/main" id="{44991226-0F13-8CE7-FFE2-2CCA87919DC5}"/>
+                <a16:creationId xmlns:a16="http://schemas.microsoft.com/office/drawing/2014/main" id="{A0FD2609-3FFE-19D7-1A36-DFB028DA0C2D}"/>
               </a:ext>
             </a:extLst>
           </p:cNvPr>
@@ -1256,7 +1256,7 @@
           <p:cNvPr id="3" name="内容占位符 2">
             <a:extLst>
               <a:ext uri="{FF2B5EF4-FFF2-40B4-BE49-F238E27FC236}">
-                <a16:creationId xmlns:a16="http://schemas.microsoft.com/office/drawing/2014/main" id="{92A8AE9F-5C1B-6278-C036-65ED3024232E}"/>
+                <a16:creationId xmlns:a16="http://schemas.microsoft.com/office/drawing/2014/main" id="{396E34A8-A74E-0EC2-2966-BA2B3C7878A2}"/>
               </a:ext>
             </a:extLst>
           </p:cNvPr>
@@ -1318,7 +1318,7 @@
           <p:cNvPr id="4" name="内容占位符 3">
             <a:extLst>
               <a:ext uri="{FF2B5EF4-FFF2-40B4-BE49-F238E27FC236}">
-                <a16:creationId xmlns:a16="http://schemas.microsoft.com/office/drawing/2014/main" id="{0C49D1EF-77AA-E122-E529-AB9CC8D38C36}"/>
+                <a16:creationId xmlns:a16="http://schemas.microsoft.com/office/drawing/2014/main" id="{31DAE0C3-CD2D-FB75-B4D3-AA8291EE6C19}"/>
               </a:ext>
             </a:extLst>
           </p:cNvPr>
@@ -1380,7 +1380,7 @@
           <p:cNvPr id="5" name="日期占位符 4">
             <a:extLst>
               <a:ext uri="{FF2B5EF4-FFF2-40B4-BE49-F238E27FC236}">
-                <a16:creationId xmlns:a16="http://schemas.microsoft.com/office/drawing/2014/main" id="{87EF52AD-79DB-383F-74CF-9BB4C5D2D64E}"/>
+                <a16:creationId xmlns:a16="http://schemas.microsoft.com/office/drawing/2014/main" id="{CAB3FF5B-49BE-60B2-23B9-FD65E892D9CC}"/>
               </a:ext>
             </a:extLst>
           </p:cNvPr>
@@ -1396,7 +1396,7 @@
           <a:bodyPr/>
           <a:lstStyle/>
           <a:p>
-            <a:fld id="{5AF06C0B-8C33-4610-8E7C-FF304BB0DFBA}" type="datetimeFigureOut">
+            <a:fld id="{96BCE3AB-2C0F-498B-86F7-243B3F883BA4}" type="datetimeFigureOut">
               <a:rPr lang="zh-CN" altLang="en-US" smtClean="0"/>
               <a:t>2024/3/10</a:t>
             </a:fld>
@@ -1409,7 +1409,7 @@
           <p:cNvPr id="6" name="页脚占位符 5">
             <a:extLst>
               <a:ext uri="{FF2B5EF4-FFF2-40B4-BE49-F238E27FC236}">
-                <a16:creationId xmlns:a16="http://schemas.microsoft.com/office/drawing/2014/main" id="{B6FE9D51-D1A3-5193-D1F5-EDDFA88AE255}"/>
+                <a16:creationId xmlns:a16="http://schemas.microsoft.com/office/drawing/2014/main" id="{DCDA7F57-2618-53CC-82F3-EF8DAEB1F31B}"/>
               </a:ext>
             </a:extLst>
           </p:cNvPr>
@@ -1434,7 +1434,7 @@
           <p:cNvPr id="7" name="灯片编号占位符 6">
             <a:extLst>
               <a:ext uri="{FF2B5EF4-FFF2-40B4-BE49-F238E27FC236}">
-                <a16:creationId xmlns:a16="http://schemas.microsoft.com/office/drawing/2014/main" id="{F2DB2A99-E016-BAD3-F8DC-382C75AFB181}"/>
+                <a16:creationId xmlns:a16="http://schemas.microsoft.com/office/drawing/2014/main" id="{B0FF88D3-A9AD-BD46-992F-4A19C4947A1D}"/>
               </a:ext>
             </a:extLst>
           </p:cNvPr>
@@ -1450,7 +1450,7 @@
           <a:bodyPr/>
           <a:lstStyle/>
           <a:p>
-            <a:fld id="{F78EE812-870C-4E94-979E-82F6B09E3202}" type="slidenum">
+            <a:fld id="{CA200C10-BD52-497C-AFFB-90DB7D64798C}" type="slidenum">
               <a:rPr lang="zh-CN" altLang="en-US" smtClean="0"/>
               <a:t>‹#›</a:t>
             </a:fld>
@@ -1461,7 +1461,7 @@
     </p:spTree>
     <p:extLst>
       <p:ext uri="{BB962C8B-B14F-4D97-AF65-F5344CB8AC3E}">
-        <p14:creationId xmlns:p14="http://schemas.microsoft.com/office/powerpoint/2010/main" val="2684649092"/>
+        <p14:creationId xmlns:p14="http://schemas.microsoft.com/office/powerpoint/2010/main" val="2511734164"/>
       </p:ext>
     </p:extLst>
   </p:cSld>
@@ -1493,7 +1493,7 @@
           <p:cNvPr id="2" name="标题 1">
             <a:extLst>
               <a:ext uri="{FF2B5EF4-FFF2-40B4-BE49-F238E27FC236}">
-                <a16:creationId xmlns:a16="http://schemas.microsoft.com/office/drawing/2014/main" id="{E932261F-5290-F7FA-885D-588429B066E4}"/>
+                <a16:creationId xmlns:a16="http://schemas.microsoft.com/office/drawing/2014/main" id="{925C4C6A-E679-E051-78EA-DEDCC8A4E1B1}"/>
               </a:ext>
             </a:extLst>
           </p:cNvPr>
@@ -1526,7 +1526,7 @@
           <p:cNvPr id="3" name="文本占位符 2">
             <a:extLst>
               <a:ext uri="{FF2B5EF4-FFF2-40B4-BE49-F238E27FC236}">
-                <a16:creationId xmlns:a16="http://schemas.microsoft.com/office/drawing/2014/main" id="{0383CFE7-79E3-3BF9-04C7-A09896096CD8}"/>
+                <a16:creationId xmlns:a16="http://schemas.microsoft.com/office/drawing/2014/main" id="{05013FBC-8693-2949-128B-454BA697C3FA}"/>
               </a:ext>
             </a:extLst>
           </p:cNvPr>
@@ -1597,7 +1597,7 @@
           <p:cNvPr id="4" name="内容占位符 3">
             <a:extLst>
               <a:ext uri="{FF2B5EF4-FFF2-40B4-BE49-F238E27FC236}">
-                <a16:creationId xmlns:a16="http://schemas.microsoft.com/office/drawing/2014/main" id="{C662CF75-A054-15C4-A73B-9F1D075B98A8}"/>
+                <a16:creationId xmlns:a16="http://schemas.microsoft.com/office/drawing/2014/main" id="{A78B9CAE-02DF-3718-C121-A1E2F3BF3EF8}"/>
               </a:ext>
             </a:extLst>
           </p:cNvPr>
@@ -1659,7 +1659,7 @@
           <p:cNvPr id="5" name="文本占位符 4">
             <a:extLst>
               <a:ext uri="{FF2B5EF4-FFF2-40B4-BE49-F238E27FC236}">
-                <a16:creationId xmlns:a16="http://schemas.microsoft.com/office/drawing/2014/main" id="{0AE38D1A-D745-EDF2-B648-DAAB6F8B37A3}"/>
+                <a16:creationId xmlns:a16="http://schemas.microsoft.com/office/drawing/2014/main" id="{EBCF2AF4-EFEF-CE69-3748-B3E08F3BDF42}"/>
               </a:ext>
             </a:extLst>
           </p:cNvPr>
@@ -1730,7 +1730,7 @@
           <p:cNvPr id="6" name="内容占位符 5">
             <a:extLst>
               <a:ext uri="{FF2B5EF4-FFF2-40B4-BE49-F238E27FC236}">
-                <a16:creationId xmlns:a16="http://schemas.microsoft.com/office/drawing/2014/main" id="{1B145C91-7716-F135-E9C5-825311483679}"/>
+                <a16:creationId xmlns:a16="http://schemas.microsoft.com/office/drawing/2014/main" id="{26AE9E4F-6CAB-645A-981A-9DE71A9F42FF}"/>
               </a:ext>
             </a:extLst>
           </p:cNvPr>
@@ -1792,7 +1792,7 @@
           <p:cNvPr id="7" name="日期占位符 6">
             <a:extLst>
               <a:ext uri="{FF2B5EF4-FFF2-40B4-BE49-F238E27FC236}">
-                <a16:creationId xmlns:a16="http://schemas.microsoft.com/office/drawing/2014/main" id="{EDDC9603-8FAB-87AA-C34F-70C8BABC807F}"/>
+                <a16:creationId xmlns:a16="http://schemas.microsoft.com/office/drawing/2014/main" id="{394436C7-C2A0-F301-0957-A281C8EDE2C5}"/>
               </a:ext>
             </a:extLst>
           </p:cNvPr>
@@ -1808,7 +1808,7 @@
           <a:bodyPr/>
           <a:lstStyle/>
           <a:p>
-            <a:fld id="{5AF06C0B-8C33-4610-8E7C-FF304BB0DFBA}" type="datetimeFigureOut">
+            <a:fld id="{96BCE3AB-2C0F-498B-86F7-243B3F883BA4}" type="datetimeFigureOut">
               <a:rPr lang="zh-CN" altLang="en-US" smtClean="0"/>
               <a:t>2024/3/10</a:t>
             </a:fld>
@@ -1821,7 +1821,7 @@
           <p:cNvPr id="8" name="页脚占位符 7">
             <a:extLst>
               <a:ext uri="{FF2B5EF4-FFF2-40B4-BE49-F238E27FC236}">
-                <a16:creationId xmlns:a16="http://schemas.microsoft.com/office/drawing/2014/main" id="{8DCDA673-5AA9-D2B9-D2FF-D4E69BEBB276}"/>
+                <a16:creationId xmlns:a16="http://schemas.microsoft.com/office/drawing/2014/main" id="{D8EF8C57-29C2-2D92-64CD-96BB80CAE345}"/>
               </a:ext>
             </a:extLst>
           </p:cNvPr>
@@ -1846,7 +1846,7 @@
           <p:cNvPr id="9" name="灯片编号占位符 8">
             <a:extLst>
               <a:ext uri="{FF2B5EF4-FFF2-40B4-BE49-F238E27FC236}">
-                <a16:creationId xmlns:a16="http://schemas.microsoft.com/office/drawing/2014/main" id="{D5031156-7706-147D-035C-DA212A916D4E}"/>
+                <a16:creationId xmlns:a16="http://schemas.microsoft.com/office/drawing/2014/main" id="{1CA28C48-7491-6B56-3700-23B6D1F1DF68}"/>
               </a:ext>
             </a:extLst>
           </p:cNvPr>
@@ -1862,7 +1862,7 @@
           <a:bodyPr/>
           <a:lstStyle/>
           <a:p>
-            <a:fld id="{F78EE812-870C-4E94-979E-82F6B09E3202}" type="slidenum">
+            <a:fld id="{CA200C10-BD52-497C-AFFB-90DB7D64798C}" type="slidenum">
               <a:rPr lang="zh-CN" altLang="en-US" smtClean="0"/>
               <a:t>‹#›</a:t>
             </a:fld>
@@ -1873,7 +1873,7 @@
     </p:spTree>
     <p:extLst>
       <p:ext uri="{BB962C8B-B14F-4D97-AF65-F5344CB8AC3E}">
-        <p14:creationId xmlns:p14="http://schemas.microsoft.com/office/powerpoint/2010/main" val="1184286610"/>
+        <p14:creationId xmlns:p14="http://schemas.microsoft.com/office/powerpoint/2010/main" val="3979410384"/>
       </p:ext>
     </p:extLst>
   </p:cSld>
@@ -1905,7 +1905,7 @@
           <p:cNvPr id="2" name="标题 1">
             <a:extLst>
               <a:ext uri="{FF2B5EF4-FFF2-40B4-BE49-F238E27FC236}">
-                <a16:creationId xmlns:a16="http://schemas.microsoft.com/office/drawing/2014/main" id="{36D9C29B-8CE1-C375-8102-2F4D5B7820E6}"/>
+                <a16:creationId xmlns:a16="http://schemas.microsoft.com/office/drawing/2014/main" id="{C49B0FEB-DD5D-BFD0-307C-4C2A943D7B2F}"/>
               </a:ext>
             </a:extLst>
           </p:cNvPr>
@@ -1933,7 +1933,7 @@
           <p:cNvPr id="3" name="日期占位符 2">
             <a:extLst>
               <a:ext uri="{FF2B5EF4-FFF2-40B4-BE49-F238E27FC236}">
-                <a16:creationId xmlns:a16="http://schemas.microsoft.com/office/drawing/2014/main" id="{B9DB216D-D304-6FB4-B7A5-8AF93481739B}"/>
+                <a16:creationId xmlns:a16="http://schemas.microsoft.com/office/drawing/2014/main" id="{8AD1B511-DC15-EC9D-C218-F7BFFF2D86A7}"/>
               </a:ext>
             </a:extLst>
           </p:cNvPr>
@@ -1949,7 +1949,7 @@
           <a:bodyPr/>
           <a:lstStyle/>
           <a:p>
-            <a:fld id="{5AF06C0B-8C33-4610-8E7C-FF304BB0DFBA}" type="datetimeFigureOut">
+            <a:fld id="{96BCE3AB-2C0F-498B-86F7-243B3F883BA4}" type="datetimeFigureOut">
               <a:rPr lang="zh-CN" altLang="en-US" smtClean="0"/>
               <a:t>2024/3/10</a:t>
             </a:fld>
@@ -1962,7 +1962,7 @@
           <p:cNvPr id="4" name="页脚占位符 3">
             <a:extLst>
               <a:ext uri="{FF2B5EF4-FFF2-40B4-BE49-F238E27FC236}">
-                <a16:creationId xmlns:a16="http://schemas.microsoft.com/office/drawing/2014/main" id="{B0C5CBEC-F035-5A27-1870-88FCAB67CB19}"/>
+                <a16:creationId xmlns:a16="http://schemas.microsoft.com/office/drawing/2014/main" id="{D24E0390-2E3D-8F00-81C2-C79AE1E4F9A4}"/>
               </a:ext>
             </a:extLst>
           </p:cNvPr>
@@ -1987,7 +1987,7 @@
           <p:cNvPr id="5" name="灯片编号占位符 4">
             <a:extLst>
               <a:ext uri="{FF2B5EF4-FFF2-40B4-BE49-F238E27FC236}">
-                <a16:creationId xmlns:a16="http://schemas.microsoft.com/office/drawing/2014/main" id="{A4C0A95E-6210-FC1A-22F5-8EA51C029EC4}"/>
+                <a16:creationId xmlns:a16="http://schemas.microsoft.com/office/drawing/2014/main" id="{21050B19-6009-C253-1815-46C82E3B92BA}"/>
               </a:ext>
             </a:extLst>
           </p:cNvPr>
@@ -2003,7 +2003,7 @@
           <a:bodyPr/>
           <a:lstStyle/>
           <a:p>
-            <a:fld id="{F78EE812-870C-4E94-979E-82F6B09E3202}" type="slidenum">
+            <a:fld id="{CA200C10-BD52-497C-AFFB-90DB7D64798C}" type="slidenum">
               <a:rPr lang="zh-CN" altLang="en-US" smtClean="0"/>
               <a:t>‹#›</a:t>
             </a:fld>
@@ -2014,7 +2014,7 @@
     </p:spTree>
     <p:extLst>
       <p:ext uri="{BB962C8B-B14F-4D97-AF65-F5344CB8AC3E}">
-        <p14:creationId xmlns:p14="http://schemas.microsoft.com/office/powerpoint/2010/main" val="1680363067"/>
+        <p14:creationId xmlns:p14="http://schemas.microsoft.com/office/powerpoint/2010/main" val="3491784228"/>
       </p:ext>
     </p:extLst>
   </p:cSld>
@@ -2046,7 +2046,7 @@
           <p:cNvPr id="2" name="日期占位符 1">
             <a:extLst>
               <a:ext uri="{FF2B5EF4-FFF2-40B4-BE49-F238E27FC236}">
-                <a16:creationId xmlns:a16="http://schemas.microsoft.com/office/drawing/2014/main" id="{36F380E1-4134-A588-BFFE-2E6E0F78189E}"/>
+                <a16:creationId xmlns:a16="http://schemas.microsoft.com/office/drawing/2014/main" id="{66A36155-8913-A744-57B1-F3E2E73AEE45}"/>
               </a:ext>
             </a:extLst>
           </p:cNvPr>
@@ -2062,7 +2062,7 @@
           <a:bodyPr/>
           <a:lstStyle/>
           <a:p>
-            <a:fld id="{5AF06C0B-8C33-4610-8E7C-FF304BB0DFBA}" type="datetimeFigureOut">
+            <a:fld id="{96BCE3AB-2C0F-498B-86F7-243B3F883BA4}" type="datetimeFigureOut">
               <a:rPr lang="zh-CN" altLang="en-US" smtClean="0"/>
               <a:t>2024/3/10</a:t>
             </a:fld>
@@ -2075,7 +2075,7 @@
           <p:cNvPr id="3" name="页脚占位符 2">
             <a:extLst>
               <a:ext uri="{FF2B5EF4-FFF2-40B4-BE49-F238E27FC236}">
-                <a16:creationId xmlns:a16="http://schemas.microsoft.com/office/drawing/2014/main" id="{C75DDA1B-2DA1-25B2-DC6A-68C08ABFB958}"/>
+                <a16:creationId xmlns:a16="http://schemas.microsoft.com/office/drawing/2014/main" id="{FEE084D4-35B0-02A2-083D-9372DE6C793A}"/>
               </a:ext>
             </a:extLst>
           </p:cNvPr>
@@ -2100,7 +2100,7 @@
           <p:cNvPr id="4" name="灯片编号占位符 3">
             <a:extLst>
               <a:ext uri="{FF2B5EF4-FFF2-40B4-BE49-F238E27FC236}">
-                <a16:creationId xmlns:a16="http://schemas.microsoft.com/office/drawing/2014/main" id="{B0A31F8D-9F8C-C446-80EA-4FAF469ACF6D}"/>
+                <a16:creationId xmlns:a16="http://schemas.microsoft.com/office/drawing/2014/main" id="{0E38033E-4BF2-C573-14DE-478B720B0D18}"/>
               </a:ext>
             </a:extLst>
           </p:cNvPr>
@@ -2116,7 +2116,7 @@
           <a:bodyPr/>
           <a:lstStyle/>
           <a:p>
-            <a:fld id="{F78EE812-870C-4E94-979E-82F6B09E3202}" type="slidenum">
+            <a:fld id="{CA200C10-BD52-497C-AFFB-90DB7D64798C}" type="slidenum">
               <a:rPr lang="zh-CN" altLang="en-US" smtClean="0"/>
               <a:t>‹#›</a:t>
             </a:fld>
@@ -2127,7 +2127,7 @@
     </p:spTree>
     <p:extLst>
       <p:ext uri="{BB962C8B-B14F-4D97-AF65-F5344CB8AC3E}">
-        <p14:creationId xmlns:p14="http://schemas.microsoft.com/office/powerpoint/2010/main" val="262391"/>
+        <p14:creationId xmlns:p14="http://schemas.microsoft.com/office/powerpoint/2010/main" val="3113589686"/>
       </p:ext>
     </p:extLst>
   </p:cSld>
@@ -2159,7 +2159,7 @@
           <p:cNvPr id="2" name="标题 1">
             <a:extLst>
               <a:ext uri="{FF2B5EF4-FFF2-40B4-BE49-F238E27FC236}">
-                <a16:creationId xmlns:a16="http://schemas.microsoft.com/office/drawing/2014/main" id="{FED90418-07A7-2E47-A58F-C7CE166CA3E0}"/>
+                <a16:creationId xmlns:a16="http://schemas.microsoft.com/office/drawing/2014/main" id="{F010E95E-328B-A346-DC33-872458243712}"/>
               </a:ext>
             </a:extLst>
           </p:cNvPr>
@@ -2196,7 +2196,7 @@
           <p:cNvPr id="3" name="内容占位符 2">
             <a:extLst>
               <a:ext uri="{FF2B5EF4-FFF2-40B4-BE49-F238E27FC236}">
-                <a16:creationId xmlns:a16="http://schemas.microsoft.com/office/drawing/2014/main" id="{BDA11A66-AF57-F3EF-4B46-CA50F25EF090}"/>
+                <a16:creationId xmlns:a16="http://schemas.microsoft.com/office/drawing/2014/main" id="{B11AB2E2-5C13-B415-3EC1-83A7A430541D}"/>
               </a:ext>
             </a:extLst>
           </p:cNvPr>
@@ -2286,7 +2286,7 @@
           <p:cNvPr id="4" name="文本占位符 3">
             <a:extLst>
               <a:ext uri="{FF2B5EF4-FFF2-40B4-BE49-F238E27FC236}">
-                <a16:creationId xmlns:a16="http://schemas.microsoft.com/office/drawing/2014/main" id="{70B20239-CFD1-8477-40F2-1401D3DAB790}"/>
+                <a16:creationId xmlns:a16="http://schemas.microsoft.com/office/drawing/2014/main" id="{E73E635C-5C84-D4FA-BA83-ED1846717762}"/>
               </a:ext>
             </a:extLst>
           </p:cNvPr>
@@ -2357,7 +2357,7 @@
           <p:cNvPr id="5" name="日期占位符 4">
             <a:extLst>
               <a:ext uri="{FF2B5EF4-FFF2-40B4-BE49-F238E27FC236}">
-                <a16:creationId xmlns:a16="http://schemas.microsoft.com/office/drawing/2014/main" id="{180A7419-EFEB-3768-055E-8FC277297EDC}"/>
+                <a16:creationId xmlns:a16="http://schemas.microsoft.com/office/drawing/2014/main" id="{B26A8762-2281-D0D6-BB0C-8966CDF29FEA}"/>
               </a:ext>
             </a:extLst>
           </p:cNvPr>
@@ -2373,7 +2373,7 @@
           <a:bodyPr/>
           <a:lstStyle/>
           <a:p>
-            <a:fld id="{5AF06C0B-8C33-4610-8E7C-FF304BB0DFBA}" type="datetimeFigureOut">
+            <a:fld id="{96BCE3AB-2C0F-498B-86F7-243B3F883BA4}" type="datetimeFigureOut">
               <a:rPr lang="zh-CN" altLang="en-US" smtClean="0"/>
               <a:t>2024/3/10</a:t>
             </a:fld>
@@ -2386,7 +2386,7 @@
           <p:cNvPr id="6" name="页脚占位符 5">
             <a:extLst>
               <a:ext uri="{FF2B5EF4-FFF2-40B4-BE49-F238E27FC236}">
-                <a16:creationId xmlns:a16="http://schemas.microsoft.com/office/drawing/2014/main" id="{CFDBB667-252B-AFF4-88AD-96C623C5142F}"/>
+                <a16:creationId xmlns:a16="http://schemas.microsoft.com/office/drawing/2014/main" id="{08E71CE2-2408-5FFB-F62B-532B396F26C0}"/>
               </a:ext>
             </a:extLst>
           </p:cNvPr>
@@ -2411,7 +2411,7 @@
           <p:cNvPr id="7" name="灯片编号占位符 6">
             <a:extLst>
               <a:ext uri="{FF2B5EF4-FFF2-40B4-BE49-F238E27FC236}">
-                <a16:creationId xmlns:a16="http://schemas.microsoft.com/office/drawing/2014/main" id="{FD106443-E462-7E64-C07F-B63E10EB7785}"/>
+                <a16:creationId xmlns:a16="http://schemas.microsoft.com/office/drawing/2014/main" id="{E90A8D9B-E188-9F32-637D-F093E2B16275}"/>
               </a:ext>
             </a:extLst>
           </p:cNvPr>
@@ -2427,7 +2427,7 @@
           <a:bodyPr/>
           <a:lstStyle/>
           <a:p>
-            <a:fld id="{F78EE812-870C-4E94-979E-82F6B09E3202}" type="slidenum">
+            <a:fld id="{CA200C10-BD52-497C-AFFB-90DB7D64798C}" type="slidenum">
               <a:rPr lang="zh-CN" altLang="en-US" smtClean="0"/>
               <a:t>‹#›</a:t>
             </a:fld>
@@ -2438,7 +2438,7 @@
     </p:spTree>
     <p:extLst>
       <p:ext uri="{BB962C8B-B14F-4D97-AF65-F5344CB8AC3E}">
-        <p14:creationId xmlns:p14="http://schemas.microsoft.com/office/powerpoint/2010/main" val="4218354848"/>
+        <p14:creationId xmlns:p14="http://schemas.microsoft.com/office/powerpoint/2010/main" val="2042034647"/>
       </p:ext>
     </p:extLst>
   </p:cSld>
@@ -2470,7 +2470,7 @@
           <p:cNvPr id="2" name="标题 1">
             <a:extLst>
               <a:ext uri="{FF2B5EF4-FFF2-40B4-BE49-F238E27FC236}">
-                <a16:creationId xmlns:a16="http://schemas.microsoft.com/office/drawing/2014/main" id="{022C9EE2-EBFC-9CA4-4139-A242B25D9CA9}"/>
+                <a16:creationId xmlns:a16="http://schemas.microsoft.com/office/drawing/2014/main" id="{688C311A-24E8-9A6D-A220-FDFEAA54C9C2}"/>
               </a:ext>
             </a:extLst>
           </p:cNvPr>
@@ -2507,7 +2507,7 @@
           <p:cNvPr id="3" name="图片占位符 2">
             <a:extLst>
               <a:ext uri="{FF2B5EF4-FFF2-40B4-BE49-F238E27FC236}">
-                <a16:creationId xmlns:a16="http://schemas.microsoft.com/office/drawing/2014/main" id="{DD670C79-2E7D-37B3-0FF4-0E7A6F5A4258}"/>
+                <a16:creationId xmlns:a16="http://schemas.microsoft.com/office/drawing/2014/main" id="{27ED7F20-9992-0AFC-3FAC-11FE93A605F8}"/>
               </a:ext>
             </a:extLst>
           </p:cNvPr>
@@ -2574,7 +2574,7 @@
           <p:cNvPr id="4" name="文本占位符 3">
             <a:extLst>
               <a:ext uri="{FF2B5EF4-FFF2-40B4-BE49-F238E27FC236}">
-                <a16:creationId xmlns:a16="http://schemas.microsoft.com/office/drawing/2014/main" id="{12F4EC27-C713-4192-B24D-E460C00FC528}"/>
+                <a16:creationId xmlns:a16="http://schemas.microsoft.com/office/drawing/2014/main" id="{0A94984C-AFD6-BC65-46A5-01267596683E}"/>
               </a:ext>
             </a:extLst>
           </p:cNvPr>
@@ -2645,7 +2645,7 @@
           <p:cNvPr id="5" name="日期占位符 4">
             <a:extLst>
               <a:ext uri="{FF2B5EF4-FFF2-40B4-BE49-F238E27FC236}">
-                <a16:creationId xmlns:a16="http://schemas.microsoft.com/office/drawing/2014/main" id="{7C3A5FBE-BF9D-63F0-6CB6-832A1057A8BB}"/>
+                <a16:creationId xmlns:a16="http://schemas.microsoft.com/office/drawing/2014/main" id="{3B677792-C383-35FF-2485-C3F98BCA8A7D}"/>
               </a:ext>
             </a:extLst>
           </p:cNvPr>
@@ -2661,7 +2661,7 @@
           <a:bodyPr/>
           <a:lstStyle/>
           <a:p>
-            <a:fld id="{5AF06C0B-8C33-4610-8E7C-FF304BB0DFBA}" type="datetimeFigureOut">
+            <a:fld id="{96BCE3AB-2C0F-498B-86F7-243B3F883BA4}" type="datetimeFigureOut">
               <a:rPr lang="zh-CN" altLang="en-US" smtClean="0"/>
               <a:t>2024/3/10</a:t>
             </a:fld>
@@ -2674,7 +2674,7 @@
           <p:cNvPr id="6" name="页脚占位符 5">
             <a:extLst>
               <a:ext uri="{FF2B5EF4-FFF2-40B4-BE49-F238E27FC236}">
-                <a16:creationId xmlns:a16="http://schemas.microsoft.com/office/drawing/2014/main" id="{98B759F1-A099-BC49-946E-74BAA6001CC2}"/>
+                <a16:creationId xmlns:a16="http://schemas.microsoft.com/office/drawing/2014/main" id="{103F6918-1744-13BD-24BF-FAF8B9C1CCDE}"/>
               </a:ext>
             </a:extLst>
           </p:cNvPr>
@@ -2699,7 +2699,7 @@
           <p:cNvPr id="7" name="灯片编号占位符 6">
             <a:extLst>
               <a:ext uri="{FF2B5EF4-FFF2-40B4-BE49-F238E27FC236}">
-                <a16:creationId xmlns:a16="http://schemas.microsoft.com/office/drawing/2014/main" id="{89C111EC-26AA-FBB9-1F6C-512CBEE9917E}"/>
+                <a16:creationId xmlns:a16="http://schemas.microsoft.com/office/drawing/2014/main" id="{DC754617-ED54-3CE4-EE74-28FE19A41477}"/>
               </a:ext>
             </a:extLst>
           </p:cNvPr>
@@ -2715,7 +2715,7 @@
           <a:bodyPr/>
           <a:lstStyle/>
           <a:p>
-            <a:fld id="{F78EE812-870C-4E94-979E-82F6B09E3202}" type="slidenum">
+            <a:fld id="{CA200C10-BD52-497C-AFFB-90DB7D64798C}" type="slidenum">
               <a:rPr lang="zh-CN" altLang="en-US" smtClean="0"/>
               <a:t>‹#›</a:t>
             </a:fld>
@@ -2726,7 +2726,7 @@
     </p:spTree>
     <p:extLst>
       <p:ext uri="{BB962C8B-B14F-4D97-AF65-F5344CB8AC3E}">
-        <p14:creationId xmlns:p14="http://schemas.microsoft.com/office/powerpoint/2010/main" val="3289524090"/>
+        <p14:creationId xmlns:p14="http://schemas.microsoft.com/office/powerpoint/2010/main" val="2077450494"/>
       </p:ext>
     </p:extLst>
   </p:cSld>
@@ -2763,7 +2763,7 @@
           <p:cNvPr id="2" name="标题占位符 1">
             <a:extLst>
               <a:ext uri="{FF2B5EF4-FFF2-40B4-BE49-F238E27FC236}">
-                <a16:creationId xmlns:a16="http://schemas.microsoft.com/office/drawing/2014/main" id="{FA152CE5-626A-131F-BE8B-A81B99AEC3A9}"/>
+                <a16:creationId xmlns:a16="http://schemas.microsoft.com/office/drawing/2014/main" id="{B5D8AB11-20FB-1D5B-92BE-DC4AF7A689E2}"/>
               </a:ext>
             </a:extLst>
           </p:cNvPr>
@@ -2801,7 +2801,7 @@
           <p:cNvPr id="3" name="文本占位符 2">
             <a:extLst>
               <a:ext uri="{FF2B5EF4-FFF2-40B4-BE49-F238E27FC236}">
-                <a16:creationId xmlns:a16="http://schemas.microsoft.com/office/drawing/2014/main" id="{285B06A8-7809-1BCE-1DA2-5312F067E09A}"/>
+                <a16:creationId xmlns:a16="http://schemas.microsoft.com/office/drawing/2014/main" id="{72768EC2-2024-F00F-8DDD-0FC526C752F4}"/>
               </a:ext>
             </a:extLst>
           </p:cNvPr>
@@ -2868,7 +2868,7 @@
           <p:cNvPr id="4" name="日期占位符 3">
             <a:extLst>
               <a:ext uri="{FF2B5EF4-FFF2-40B4-BE49-F238E27FC236}">
-                <a16:creationId xmlns:a16="http://schemas.microsoft.com/office/drawing/2014/main" id="{8E97AC7A-34B8-AE52-4424-63B2E5A57305}"/>
+                <a16:creationId xmlns:a16="http://schemas.microsoft.com/office/drawing/2014/main" id="{4A8B4E05-77E1-D1C2-A01B-B6DCB96A1549}"/>
               </a:ext>
             </a:extLst>
           </p:cNvPr>
@@ -2902,7 +2902,7 @@
             </a:lvl1pPr>
           </a:lstStyle>
           <a:p>
-            <a:fld id="{5AF06C0B-8C33-4610-8E7C-FF304BB0DFBA}" type="datetimeFigureOut">
+            <a:fld id="{96BCE3AB-2C0F-498B-86F7-243B3F883BA4}" type="datetimeFigureOut">
               <a:rPr lang="zh-CN" altLang="en-US" smtClean="0"/>
               <a:t>2024/3/10</a:t>
             </a:fld>
@@ -2915,7 +2915,7 @@
           <p:cNvPr id="5" name="页脚占位符 4">
             <a:extLst>
               <a:ext uri="{FF2B5EF4-FFF2-40B4-BE49-F238E27FC236}">
-                <a16:creationId xmlns:a16="http://schemas.microsoft.com/office/drawing/2014/main" id="{D6AAD033-41F9-FD97-021B-DFC83208EBDA}"/>
+                <a16:creationId xmlns:a16="http://schemas.microsoft.com/office/drawing/2014/main" id="{D5864BCB-B795-CF9B-2DD2-03277D3F62D3}"/>
               </a:ext>
             </a:extLst>
           </p:cNvPr>
@@ -2958,7 +2958,7 @@
           <p:cNvPr id="6" name="灯片编号占位符 5">
             <a:extLst>
               <a:ext uri="{FF2B5EF4-FFF2-40B4-BE49-F238E27FC236}">
-                <a16:creationId xmlns:a16="http://schemas.microsoft.com/office/drawing/2014/main" id="{94C85D1E-7833-593F-CC5D-AB7FFDA50016}"/>
+                <a16:creationId xmlns:a16="http://schemas.microsoft.com/office/drawing/2014/main" id="{C2C00A37-7603-BBE2-ABBB-851235267FDC}"/>
               </a:ext>
             </a:extLst>
           </p:cNvPr>
@@ -2992,7 +2992,7 @@
             </a:lvl1pPr>
           </a:lstStyle>
           <a:p>
-            <a:fld id="{F78EE812-870C-4E94-979E-82F6B09E3202}" type="slidenum">
+            <a:fld id="{CA200C10-BD52-497C-AFFB-90DB7D64798C}" type="slidenum">
               <a:rPr lang="zh-CN" altLang="en-US" smtClean="0"/>
               <a:t>‹#›</a:t>
             </a:fld>
@@ -3003,7 +3003,7 @@
     </p:spTree>
     <p:extLst>
       <p:ext uri="{BB962C8B-B14F-4D97-AF65-F5344CB8AC3E}">
-        <p14:creationId xmlns:p14="http://schemas.microsoft.com/office/powerpoint/2010/main" val="2448235287"/>
+        <p14:creationId xmlns:p14="http://schemas.microsoft.com/office/powerpoint/2010/main" val="2153146472"/>
       </p:ext>
     </p:extLst>
   </p:cSld>
@@ -3323,7 +3323,7 @@
       </p:grpSpPr>
       <p:pic>
         <p:nvPicPr>
-          <p:cNvPr id="1051650" name="Picture 2" descr="1026"/>
+          <p:cNvPr id="1052674" name="Picture 2" descr="1027"/>
           <p:cNvPicPr>
             <a:picLocks noChangeAspect="1" noChangeArrowheads="1"/>
           </p:cNvPicPr>
@@ -3344,8 +3344,8 @@
         </p:blipFill>
         <p:spPr bwMode="auto">
           <a:xfrm>
-            <a:off x="1524001" y="0"/>
-            <a:ext cx="9053513" cy="6789738"/>
+            <a:off x="1543050" y="1"/>
+            <a:ext cx="9124950" cy="6843713"/>
           </a:xfrm>
           <a:prstGeom prst="rect">
             <a:avLst/>
@@ -3375,158 +3375,11 @@
           </a:extLst>
         </p:spPr>
       </p:pic>
-      <p:pic>
-        <p:nvPicPr>
-          <p:cNvPr id="1052675" name="Picture 3" descr="1026-2"/>
-          <p:cNvPicPr>
-            <a:picLocks noChangeAspect="1" noChangeArrowheads="1"/>
-          </p:cNvPicPr>
-          <p:nvPr/>
-        </p:nvPicPr>
-        <p:blipFill>
-          <a:blip r:embed="rId3">
-            <a:extLst>
-              <a:ext uri="{28A0092B-C50C-407E-A947-70E740481C1C}">
-                <a14:useLocalDpi xmlns:a14="http://schemas.microsoft.com/office/drawing/2010/main" val="0"/>
-              </a:ext>
-            </a:extLst>
-          </a:blip>
-          <a:srcRect/>
-          <a:stretch>
-            <a:fillRect/>
-          </a:stretch>
-        </p:blipFill>
-        <p:spPr bwMode="auto">
-          <a:xfrm>
-            <a:off x="1524000" y="14288"/>
-            <a:ext cx="9124950" cy="6843712"/>
-          </a:xfrm>
-          <a:prstGeom prst="rect">
-            <a:avLst/>
-          </a:prstGeom>
-          <a:noFill/>
-          <a:ln>
-            <a:noFill/>
-          </a:ln>
-          <a:effectLst/>
-          <a:extLst>
-            <a:ext uri="{909E8E84-426E-40DD-AFC4-6F175D3DCCD1}">
-              <a14:hiddenFill xmlns:a14="http://schemas.microsoft.com/office/drawing/2010/main">
-                <a:solidFill>
-                  <a:srgbClr val="FFFFFF"/>
-                </a:solidFill>
-              </a14:hiddenFill>
-            </a:ext>
-            <a:ext uri="{91240B29-F687-4F45-9708-019B960494DF}">
-              <a14:hiddenLine xmlns:a14="http://schemas.microsoft.com/office/drawing/2010/main" w="9525">
-                <a:solidFill>
-                  <a:srgbClr val="000000"/>
-                </a:solidFill>
-                <a:miter lim="800000"/>
-                <a:headEnd/>
-                <a:tailEnd/>
-              </a14:hiddenLine>
-            </a:ext>
-            <a:ext uri="{AF507438-7753-43E0-B8FC-AC1667EBCBE1}">
-              <a14:hiddenEffects xmlns:a14="http://schemas.microsoft.com/office/drawing/2010/main">
-                <a:effectLst>
-                  <a:outerShdw dist="35921" dir="2700000" algn="ctr" rotWithShape="0">
-                    <a:srgbClr val="808080"/>
-                  </a:outerShdw>
-                </a:effectLst>
-              </a14:hiddenEffects>
-            </a:ext>
-          </a:extLst>
-        </p:spPr>
-      </p:pic>
     </p:spTree>
   </p:cSld>
   <p:clrMapOvr>
     <a:masterClrMapping/>
   </p:clrMapOvr>
-  <p:timing>
-    <p:tnLst>
-      <p:par>
-        <p:cTn id="1" dur="indefinite" restart="never" nodeType="tmRoot">
-          <p:childTnLst>
-            <p:seq concurrent="1" nextAc="seek">
-              <p:cTn id="2" dur="indefinite" nodeType="mainSeq">
-                <p:childTnLst>
-                  <p:par>
-                    <p:cTn id="3" fill="hold" nodeType="clickPar">
-                      <p:stCondLst>
-                        <p:cond delay="indefinite"/>
-                      </p:stCondLst>
-                      <p:childTnLst>
-                        <p:par>
-                          <p:cTn id="4" fill="hold" nodeType="withGroup">
-                            <p:stCondLst>
-                              <p:cond delay="0"/>
-                            </p:stCondLst>
-                            <p:childTnLst>
-                              <p:par>
-                                <p:cTn id="5" presetID="10" presetClass="entr" presetSubtype="0" fill="hold" nodeType="clickEffect">
-                                  <p:stCondLst>
-                                    <p:cond delay="0"/>
-                                  </p:stCondLst>
-                                  <p:childTnLst>
-                                    <p:set>
-                                      <p:cBhvr>
-                                        <p:cTn id="6" dur="1" fill="hold">
-                                          <p:stCondLst>
-                                            <p:cond delay="0"/>
-                                          </p:stCondLst>
-                                        </p:cTn>
-                                        <p:tgtEl>
-                                          <p:spTgt spid="1052675"/>
-                                        </p:tgtEl>
-                                        <p:attrNameLst>
-                                          <p:attrName>style.visibility</p:attrName>
-                                        </p:attrNameLst>
-                                      </p:cBhvr>
-                                      <p:to>
-                                        <p:strVal val="visible"/>
-                                      </p:to>
-                                    </p:set>
-                                    <p:animEffect transition="in" filter="fade">
-                                      <p:cBhvr>
-                                        <p:cTn id="7" dur="500"/>
-                                        <p:tgtEl>
-                                          <p:spTgt spid="1052675"/>
-                                        </p:tgtEl>
-                                      </p:cBhvr>
-                                    </p:animEffect>
-                                  </p:childTnLst>
-                                </p:cTn>
-                              </p:par>
-                            </p:childTnLst>
-                          </p:cTn>
-                        </p:par>
-                      </p:childTnLst>
-                    </p:cTn>
-                  </p:par>
-                </p:childTnLst>
-              </p:cTn>
-              <p:prevCondLst>
-                <p:cond evt="onPrev" delay="0">
-                  <p:tgtEl>
-                    <p:sldTgt/>
-                  </p:tgtEl>
-                </p:cond>
-              </p:prevCondLst>
-              <p:nextCondLst>
-                <p:cond evt="onNext" delay="0">
-                  <p:tgtEl>
-                    <p:sldTgt/>
-                  </p:tgtEl>
-                </p:cond>
-              </p:nextCondLst>
-            </p:seq>
-          </p:childTnLst>
-        </p:cTn>
-      </p:par>
-    </p:tnLst>
-  </p:timing>
 </p:sld>
 </file>
 
